--- a/conception/MLD.pptx
+++ b/conception/MLD.pptx
@@ -3219,7 +3219,7 @@
           <p:spPr>
             <a:xfrm>
               <a:off x="4658008" y="1051236"/>
-              <a:ext cx="2670772" cy="2246769"/>
+              <a:ext cx="2670772" cy="2031325"/>
             </a:xfrm>
             <a:prstGeom prst="rect">
               <a:avLst/>
@@ -3266,13 +3266,6 @@
                 <a:rPr lang="fr-FR" sz="1400" dirty="0" smtClean="0"/>
                 <a:t>Liste_pwd</a:t>
               </a:r>
-            </a:p>
-            <a:p>
-              <a:r>
-                <a:rPr lang="fr-FR" sz="1400" dirty="0" smtClean="0"/>
-                <a:t>Id OSIA</a:t>
-              </a:r>
-              <a:endParaRPr lang="fr-FR" sz="1400" dirty="0" smtClean="0"/>
             </a:p>
             <a:p>
               <a:r>
@@ -3747,14 +3740,12 @@
                 <a:rPr lang="fr-FR" sz="1400" dirty="0" smtClean="0"/>
                 <a:t>Raison social</a:t>
               </a:r>
-              <a:endParaRPr lang="fr-FR" sz="1400" dirty="0" smtClean="0"/>
             </a:p>
             <a:p>
               <a:r>
                 <a:rPr lang="fr-FR" sz="1400" dirty="0" smtClean="0"/>
                 <a:t>Secteur activité</a:t>
               </a:r>
-              <a:endParaRPr lang="fr-FR" sz="1400" dirty="0" smtClean="0"/>
             </a:p>
             <a:p>
               <a:r>
@@ -3778,14 +3769,12 @@
                 <a:rPr lang="fr-FR" sz="1400" dirty="0" smtClean="0"/>
                 <a:t>Tel</a:t>
               </a:r>
-              <a:endParaRPr lang="fr-FR" sz="1400" dirty="0" smtClean="0"/>
             </a:p>
             <a:p>
               <a:r>
                 <a:rPr lang="fr-FR" sz="1400" dirty="0" smtClean="0"/>
                 <a:t>Mail</a:t>
               </a:r>
-              <a:endParaRPr lang="fr-FR" sz="1400" dirty="0" smtClean="0"/>
             </a:p>
             <a:p>
               <a:r>
@@ -4226,14 +4215,12 @@
                 <a:rPr lang="fr-FR" sz="1400" dirty="0" smtClean="0"/>
                 <a:t>nom</a:t>
               </a:r>
-              <a:endParaRPr lang="fr-FR" sz="1400" dirty="0" smtClean="0"/>
             </a:p>
             <a:p>
               <a:r>
                 <a:rPr lang="fr-FR" sz="1400" dirty="0" smtClean="0"/>
                 <a:t>tag</a:t>
               </a:r>
-              <a:endParaRPr lang="fr-FR" sz="1400" dirty="0" smtClean="0"/>
             </a:p>
           </p:txBody>
         </p:sp>
@@ -4798,6 +4785,46 @@
           </a:effectRef>
           <a:fontRef idx="minor">
             <a:schemeClr val="tx1"/>
+          </a:fontRef>
+        </p:style>
+        <p:txBody>
+          <a:bodyPr rtlCol="0" anchor="ctr"/>
+          <a:lstStyle/>
+          <a:p>
+            <a:pPr algn="ctr"/>
+            <a:endParaRPr lang="fr-FR"/>
+          </a:p>
+        </p:txBody>
+      </p:sp>
+      <p:sp>
+        <p:nvSpPr>
+          <p:cNvPr id="2" name="Rectangle 1"/>
+          <p:cNvSpPr/>
+          <p:nvPr/>
+        </p:nvSpPr>
+        <p:spPr>
+          <a:xfrm>
+            <a:off x="3195873" y="3223034"/>
+            <a:ext cx="461727" cy="278691"/>
+          </a:xfrm>
+          <a:prstGeom prst="rect">
+            <a:avLst/>
+          </a:prstGeom>
+        </p:spPr>
+        <p:style>
+          <a:lnRef idx="2">
+            <a:schemeClr val="accent3">
+              <a:shade val="50000"/>
+            </a:schemeClr>
+          </a:lnRef>
+          <a:fillRef idx="1">
+            <a:schemeClr val="accent3"/>
+          </a:fillRef>
+          <a:effectRef idx="0">
+            <a:schemeClr val="accent3"/>
+          </a:effectRef>
+          <a:fontRef idx="minor">
+            <a:schemeClr val="lt1"/>
           </a:fontRef>
         </p:style>
         <p:txBody>

--- a/conception/MLD.pptx
+++ b/conception/MLD.pptx
@@ -243,7 +243,7 @@
           <a:p>
             <a:fld id="{EF01C58B-5987-4695-85EC-93A3A045C1F4}" type="datetimeFigureOut">
               <a:rPr lang="fr-FR" smtClean="0"/>
-              <a:t>27/02/2020</a:t>
+              <a:t>28/02/2020</a:t>
             </a:fld>
             <a:endParaRPr lang="fr-FR" dirty="0"/>
           </a:p>
@@ -413,7 +413,7 @@
           <a:p>
             <a:fld id="{EF01C58B-5987-4695-85EC-93A3A045C1F4}" type="datetimeFigureOut">
               <a:rPr lang="fr-FR" smtClean="0"/>
-              <a:t>27/02/2020</a:t>
+              <a:t>28/02/2020</a:t>
             </a:fld>
             <a:endParaRPr lang="fr-FR" dirty="0"/>
           </a:p>
@@ -593,7 +593,7 @@
           <a:p>
             <a:fld id="{EF01C58B-5987-4695-85EC-93A3A045C1F4}" type="datetimeFigureOut">
               <a:rPr lang="fr-FR" smtClean="0"/>
-              <a:t>27/02/2020</a:t>
+              <a:t>28/02/2020</a:t>
             </a:fld>
             <a:endParaRPr lang="fr-FR" dirty="0"/>
           </a:p>
@@ -763,7 +763,7 @@
           <a:p>
             <a:fld id="{EF01C58B-5987-4695-85EC-93A3A045C1F4}" type="datetimeFigureOut">
               <a:rPr lang="fr-FR" smtClean="0"/>
-              <a:t>27/02/2020</a:t>
+              <a:t>28/02/2020</a:t>
             </a:fld>
             <a:endParaRPr lang="fr-FR" dirty="0"/>
           </a:p>
@@ -1009,7 +1009,7 @@
           <a:p>
             <a:fld id="{EF01C58B-5987-4695-85EC-93A3A045C1F4}" type="datetimeFigureOut">
               <a:rPr lang="fr-FR" smtClean="0"/>
-              <a:t>27/02/2020</a:t>
+              <a:t>28/02/2020</a:t>
             </a:fld>
             <a:endParaRPr lang="fr-FR" dirty="0"/>
           </a:p>
@@ -1241,7 +1241,7 @@
           <a:p>
             <a:fld id="{EF01C58B-5987-4695-85EC-93A3A045C1F4}" type="datetimeFigureOut">
               <a:rPr lang="fr-FR" smtClean="0"/>
-              <a:t>27/02/2020</a:t>
+              <a:t>28/02/2020</a:t>
             </a:fld>
             <a:endParaRPr lang="fr-FR" dirty="0"/>
           </a:p>
@@ -1608,7 +1608,7 @@
           <a:p>
             <a:fld id="{EF01C58B-5987-4695-85EC-93A3A045C1F4}" type="datetimeFigureOut">
               <a:rPr lang="fr-FR" smtClean="0"/>
-              <a:t>27/02/2020</a:t>
+              <a:t>28/02/2020</a:t>
             </a:fld>
             <a:endParaRPr lang="fr-FR" dirty="0"/>
           </a:p>
@@ -1726,7 +1726,7 @@
           <a:p>
             <a:fld id="{EF01C58B-5987-4695-85EC-93A3A045C1F4}" type="datetimeFigureOut">
               <a:rPr lang="fr-FR" smtClean="0"/>
-              <a:t>27/02/2020</a:t>
+              <a:t>28/02/2020</a:t>
             </a:fld>
             <a:endParaRPr lang="fr-FR" dirty="0"/>
           </a:p>
@@ -1821,7 +1821,7 @@
           <a:p>
             <a:fld id="{EF01C58B-5987-4695-85EC-93A3A045C1F4}" type="datetimeFigureOut">
               <a:rPr lang="fr-FR" smtClean="0"/>
-              <a:t>27/02/2020</a:t>
+              <a:t>28/02/2020</a:t>
             </a:fld>
             <a:endParaRPr lang="fr-FR" dirty="0"/>
           </a:p>
@@ -2098,7 +2098,7 @@
           <a:p>
             <a:fld id="{EF01C58B-5987-4695-85EC-93A3A045C1F4}" type="datetimeFigureOut">
               <a:rPr lang="fr-FR" smtClean="0"/>
-              <a:t>27/02/2020</a:t>
+              <a:t>28/02/2020</a:t>
             </a:fld>
             <a:endParaRPr lang="fr-FR" dirty="0"/>
           </a:p>
@@ -2351,7 +2351,7 @@
           <a:p>
             <a:fld id="{EF01C58B-5987-4695-85EC-93A3A045C1F4}" type="datetimeFigureOut">
               <a:rPr lang="fr-FR" smtClean="0"/>
-              <a:t>27/02/2020</a:t>
+              <a:t>28/02/2020</a:t>
             </a:fld>
             <a:endParaRPr lang="fr-FR" dirty="0"/>
           </a:p>
@@ -2564,7 +2564,7 @@
           <a:p>
             <a:fld id="{EF01C58B-5987-4695-85EC-93A3A045C1F4}" type="datetimeFigureOut">
               <a:rPr lang="fr-FR" smtClean="0"/>
-              <a:t>27/02/2020</a:t>
+              <a:t>28/02/2020</a:t>
             </a:fld>
             <a:endParaRPr lang="fr-FR" dirty="0"/>
           </a:p>
@@ -3219,7 +3219,7 @@
           <p:spPr>
             <a:xfrm>
               <a:off x="4658008" y="1051236"/>
-              <a:ext cx="2670772" cy="2031325"/>
+              <a:ext cx="2670772" cy="2246769"/>
             </a:xfrm>
             <a:prstGeom prst="rect">
               <a:avLst/>
@@ -3246,8 +3246,15 @@
             <a:p>
               <a:r>
                 <a:rPr lang="fr-FR" sz="1400" dirty="0" smtClean="0"/>
-                <a:t>Pseudo</a:t>
+                <a:t>Nom</a:t>
               </a:r>
+            </a:p>
+            <a:p>
+              <a:r>
+                <a:rPr lang="fr-FR" sz="1400" dirty="0" err="1" smtClean="0"/>
+                <a:t>Prenom</a:t>
+              </a:r>
+              <a:endParaRPr lang="fr-FR" sz="1400" dirty="0" smtClean="0"/>
             </a:p>
             <a:p>
               <a:r>
